--- a/various/linked_list.pptx
+++ b/various/linked_list.pptx
@@ -7136,7 +7136,10 @@
           <a:bodyPr/>
           <a:lstStyle/>
           <a:p>
-            <a:endParaRPr lang="el-GR"/>
+            <a:r>
+              <a:rPr lang="el-GR" dirty="0"/>
+              <a:t>Διπλά συνδεδεμένη λίστα</a:t>
+            </a:r>
           </a:p>
         </p:txBody>
       </p:sp>
@@ -7282,16 +7285,8 @@
             <a:p>
               <a:pPr algn="ctr"/>
               <a:r>
-                <a:rPr lang="en-US" dirty="0"/>
-                <a:t>“</a:t>
-              </a:r>
-              <a:r>
-                <a:rPr lang="en-US" dirty="0" err="1"/>
-                <a:t>abc</a:t>
-              </a:r>
-              <a:r>
-                <a:rPr lang="en-US" dirty="0"/>
-                <a:t>”, 0</a:t>
+                <a:rPr lang="el-GR" dirty="0"/>
+                <a:t>15</a:t>
               </a:r>
               <a:endParaRPr lang="en-GR" dirty="0"/>
             </a:p>
@@ -7481,8 +7476,8 @@
               <a:p>
                 <a:pPr algn="ctr"/>
                 <a:r>
-                  <a:rPr lang="en-US" dirty="0"/>
-                  <a:t>“black”, 0</a:t>
+                  <a:rPr lang="el-GR" dirty="0"/>
+                  <a:t>21</a:t>
                 </a:r>
                 <a:endParaRPr lang="en-GR" dirty="0"/>
               </a:p>
@@ -7715,8 +7710,8 @@
               <a:p>
                 <a:pPr algn="ctr"/>
                 <a:r>
-                  <a:rPr lang="en-US" dirty="0"/>
-                  <a:t>“white”, 0</a:t>
+                  <a:rPr lang="el-GR" dirty="0"/>
+                  <a:t>16</a:t>
                 </a:r>
                 <a:endParaRPr lang="en-GR" dirty="0"/>
               </a:p>
@@ -7965,8 +7960,8 @@
               <a:p>
                 <a:pPr algn="ctr"/>
                 <a:r>
-                  <a:rPr lang="en-US" dirty="0"/>
-                  <a:t>“xxx”, 0</a:t>
+                  <a:rPr lang="el-GR" dirty="0"/>
+                  <a:t>52</a:t>
                 </a:r>
                 <a:endParaRPr lang="en-GR" dirty="0"/>
               </a:p>
